--- a/Session_04/Session-04.pptx
+++ b/Session_04/Session-04.pptx
@@ -2,70 +2,70 @@
 <file path=ppt/presentation.xml><?xml version="1.0" encoding="utf-8"?>
 <p:presentation xmlns:a="http://schemas.openxmlformats.org/drawingml/2006/main" xmlns:r="http://schemas.openxmlformats.org/officeDocument/2006/relationships" xmlns:p="http://schemas.openxmlformats.org/presentationml/2006/main" saveSubsetFonts="1">
   <p:sldMasterIdLst>
-    <p:sldMasterId id="2147483702" r:id="rId1"/>
+    <p:sldMasterId id="2147483702" r:id="rId4"/>
   </p:sldMasterIdLst>
   <p:notesMasterIdLst>
-    <p:notesMasterId r:id="rId60"/>
+    <p:notesMasterId r:id="rId63"/>
   </p:notesMasterIdLst>
   <p:sldIdLst>
-    <p:sldId id="256" r:id="rId2"/>
-    <p:sldId id="346" r:id="rId3"/>
-    <p:sldId id="347" r:id="rId4"/>
-    <p:sldId id="348" r:id="rId5"/>
-    <p:sldId id="350" r:id="rId6"/>
-    <p:sldId id="351" r:id="rId7"/>
-    <p:sldId id="353" r:id="rId8"/>
-    <p:sldId id="354" r:id="rId9"/>
-    <p:sldId id="355" r:id="rId10"/>
-    <p:sldId id="356" r:id="rId11"/>
-    <p:sldId id="357" r:id="rId12"/>
-    <p:sldId id="358" r:id="rId13"/>
-    <p:sldId id="359" r:id="rId14"/>
-    <p:sldId id="360" r:id="rId15"/>
-    <p:sldId id="362" r:id="rId16"/>
-    <p:sldId id="363" r:id="rId17"/>
-    <p:sldId id="364" r:id="rId18"/>
-    <p:sldId id="365" r:id="rId19"/>
-    <p:sldId id="366" r:id="rId20"/>
-    <p:sldId id="367" r:id="rId21"/>
-    <p:sldId id="368" r:id="rId22"/>
-    <p:sldId id="369" r:id="rId23"/>
-    <p:sldId id="385" r:id="rId24"/>
-    <p:sldId id="384" r:id="rId25"/>
-    <p:sldId id="370" r:id="rId26"/>
-    <p:sldId id="371" r:id="rId27"/>
-    <p:sldId id="372" r:id="rId28"/>
-    <p:sldId id="373" r:id="rId29"/>
-    <p:sldId id="374" r:id="rId30"/>
-    <p:sldId id="375" r:id="rId31"/>
-    <p:sldId id="376" r:id="rId32"/>
-    <p:sldId id="377" r:id="rId33"/>
-    <p:sldId id="378" r:id="rId34"/>
-    <p:sldId id="379" r:id="rId35"/>
-    <p:sldId id="380" r:id="rId36"/>
-    <p:sldId id="381" r:id="rId37"/>
-    <p:sldId id="382" r:id="rId38"/>
-    <p:sldId id="383" r:id="rId39"/>
-    <p:sldId id="386" r:id="rId40"/>
-    <p:sldId id="387" r:id="rId41"/>
-    <p:sldId id="388" r:id="rId42"/>
-    <p:sldId id="389" r:id="rId43"/>
-    <p:sldId id="390" r:id="rId44"/>
-    <p:sldId id="391" r:id="rId45"/>
-    <p:sldId id="392" r:id="rId46"/>
-    <p:sldId id="393" r:id="rId47"/>
-    <p:sldId id="394" r:id="rId48"/>
-    <p:sldId id="395" r:id="rId49"/>
-    <p:sldId id="396" r:id="rId50"/>
-    <p:sldId id="397" r:id="rId51"/>
-    <p:sldId id="398" r:id="rId52"/>
-    <p:sldId id="399" r:id="rId53"/>
-    <p:sldId id="400" r:id="rId54"/>
-    <p:sldId id="401" r:id="rId55"/>
-    <p:sldId id="402" r:id="rId56"/>
-    <p:sldId id="403" r:id="rId57"/>
-    <p:sldId id="404" r:id="rId58"/>
-    <p:sldId id="310" r:id="rId59"/>
+    <p:sldId id="256" r:id="rId5"/>
+    <p:sldId id="346" r:id="rId6"/>
+    <p:sldId id="347" r:id="rId7"/>
+    <p:sldId id="348" r:id="rId8"/>
+    <p:sldId id="350" r:id="rId9"/>
+    <p:sldId id="351" r:id="rId10"/>
+    <p:sldId id="353" r:id="rId11"/>
+    <p:sldId id="354" r:id="rId12"/>
+    <p:sldId id="355" r:id="rId13"/>
+    <p:sldId id="356" r:id="rId14"/>
+    <p:sldId id="357" r:id="rId15"/>
+    <p:sldId id="358" r:id="rId16"/>
+    <p:sldId id="359" r:id="rId17"/>
+    <p:sldId id="360" r:id="rId18"/>
+    <p:sldId id="362" r:id="rId19"/>
+    <p:sldId id="363" r:id="rId20"/>
+    <p:sldId id="364" r:id="rId21"/>
+    <p:sldId id="365" r:id="rId22"/>
+    <p:sldId id="366" r:id="rId23"/>
+    <p:sldId id="367" r:id="rId24"/>
+    <p:sldId id="368" r:id="rId25"/>
+    <p:sldId id="369" r:id="rId26"/>
+    <p:sldId id="385" r:id="rId27"/>
+    <p:sldId id="384" r:id="rId28"/>
+    <p:sldId id="370" r:id="rId29"/>
+    <p:sldId id="371" r:id="rId30"/>
+    <p:sldId id="372" r:id="rId31"/>
+    <p:sldId id="373" r:id="rId32"/>
+    <p:sldId id="374" r:id="rId33"/>
+    <p:sldId id="375" r:id="rId34"/>
+    <p:sldId id="376" r:id="rId35"/>
+    <p:sldId id="377" r:id="rId36"/>
+    <p:sldId id="378" r:id="rId37"/>
+    <p:sldId id="379" r:id="rId38"/>
+    <p:sldId id="380" r:id="rId39"/>
+    <p:sldId id="381" r:id="rId40"/>
+    <p:sldId id="382" r:id="rId41"/>
+    <p:sldId id="383" r:id="rId42"/>
+    <p:sldId id="386" r:id="rId43"/>
+    <p:sldId id="387" r:id="rId44"/>
+    <p:sldId id="388" r:id="rId45"/>
+    <p:sldId id="389" r:id="rId46"/>
+    <p:sldId id="390" r:id="rId47"/>
+    <p:sldId id="391" r:id="rId48"/>
+    <p:sldId id="392" r:id="rId49"/>
+    <p:sldId id="393" r:id="rId50"/>
+    <p:sldId id="394" r:id="rId51"/>
+    <p:sldId id="395" r:id="rId52"/>
+    <p:sldId id="396" r:id="rId53"/>
+    <p:sldId id="397" r:id="rId54"/>
+    <p:sldId id="398" r:id="rId55"/>
+    <p:sldId id="399" r:id="rId56"/>
+    <p:sldId id="400" r:id="rId57"/>
+    <p:sldId id="401" r:id="rId58"/>
+    <p:sldId id="402" r:id="rId59"/>
+    <p:sldId id="403" r:id="rId60"/>
+    <p:sldId id="404" r:id="rId61"/>
+    <p:sldId id="310" r:id="rId62"/>
   </p:sldIdLst>
   <p:sldSz cx="12192000" cy="6858000"/>
   <p:notesSz cx="6858000" cy="9144000"/>
@@ -266,7 +266,7 @@
           <a:p>
             <a:fld id="{BE292657-F949-4EB0-8214-8326A5CBD4FD}" type="datetimeFigureOut">
               <a:rPr lang="en-US" smtClean="0"/>
-              <a:t>20-Jan-22</a:t>
+              <a:t>2/6/23</a:t>
             </a:fld>
             <a:endParaRPr lang="en-US"/>
           </a:p>
@@ -851,7 +851,7 @@
           <a:p>
             <a:fld id="{0ACB4B7C-78FE-41F8-9ED2-ADBDDA9DE3CA}" type="datetime1">
               <a:rPr lang="en-US" smtClean="0"/>
-              <a:t>20-Jan-22</a:t>
+              <a:t>2/6/23</a:t>
             </a:fld>
             <a:endParaRPr lang="en-US"/>
           </a:p>
@@ -1064,7 +1064,7 @@
           <a:p>
             <a:fld id="{AA141C26-9B01-4994-8F61-A641C35A28A0}" type="datetime1">
               <a:rPr lang="en-US" smtClean="0"/>
-              <a:t>20-Jan-22</a:t>
+              <a:t>2/6/23</a:t>
             </a:fld>
             <a:endParaRPr lang="en-US"/>
           </a:p>
@@ -1320,7 +1320,7 @@
           <a:p>
             <a:fld id="{08451999-8452-4809-B305-4591E7E75DE6}" type="datetime1">
               <a:rPr lang="en-US" smtClean="0"/>
-              <a:t>20-Jan-22</a:t>
+              <a:t>2/6/23</a:t>
             </a:fld>
             <a:endParaRPr lang="en-US"/>
           </a:p>
@@ -1494,7 +1494,7 @@
           <a:p>
             <a:fld id="{BCDB7CE7-A0F4-4634-BD93-8831D0F1C4FF}" type="datetime1">
               <a:rPr lang="en-US" smtClean="0"/>
-              <a:t>20-Jan-22</a:t>
+              <a:t>2/6/23</a:t>
             </a:fld>
             <a:endParaRPr lang="en-US"/>
           </a:p>
@@ -1837,7 +1837,7 @@
           <a:p>
             <a:fld id="{F01D85E9-0FA5-458D-B085-5514D578EFAD}" type="datetime1">
               <a:rPr lang="en-US" smtClean="0"/>
-              <a:t>20-Jan-22</a:t>
+              <a:t>2/6/23</a:t>
             </a:fld>
             <a:endParaRPr lang="en-US"/>
           </a:p>
@@ -2112,7 +2112,7 @@
           <a:p>
             <a:fld id="{3940C947-DF96-4C8F-B648-B9795ED65CD9}" type="datetime1">
               <a:rPr lang="en-US" smtClean="0"/>
-              <a:t>20-Jan-22</a:t>
+              <a:t>2/6/23</a:t>
             </a:fld>
             <a:endParaRPr lang="en-US"/>
           </a:p>
@@ -2491,7 +2491,7 @@
           <a:p>
             <a:fld id="{47B91DFB-9622-4FA4-921D-17BD1EABB3ED}" type="datetime1">
               <a:rPr lang="en-US" smtClean="0"/>
-              <a:t>20-Jan-22</a:t>
+              <a:t>2/6/23</a:t>
             </a:fld>
             <a:endParaRPr lang="en-US"/>
           </a:p>
@@ -2609,7 +2609,7 @@
           <a:p>
             <a:fld id="{BCDCF20A-1D81-4765-A7BF-6289062AC7A3}" type="datetime1">
               <a:rPr lang="en-US" smtClean="0"/>
-              <a:t>20-Jan-22</a:t>
+              <a:t>2/6/23</a:t>
             </a:fld>
             <a:endParaRPr lang="en-US"/>
           </a:p>
@@ -2780,7 +2780,7 @@
           <a:p>
             <a:fld id="{4B90368A-4981-4ABE-874D-CF96C485871E}" type="datetime1">
               <a:rPr lang="en-US" smtClean="0"/>
-              <a:t>20-Jan-22</a:t>
+              <a:t>2/6/23</a:t>
             </a:fld>
             <a:endParaRPr lang="en-US"/>
           </a:p>
@@ -3134,7 +3134,7 @@
           <a:p>
             <a:fld id="{D4EBA8ED-CF5B-4F08-A4F3-4EF706866F2A}" type="datetime1">
               <a:rPr lang="en-US" smtClean="0"/>
-              <a:t>20-Jan-22</a:t>
+              <a:t>2/6/23</a:t>
             </a:fld>
             <a:endParaRPr lang="en-US"/>
           </a:p>
@@ -3515,7 +3515,7 @@
           <a:p>
             <a:fld id="{FCE6421B-BCEE-4D8C-939B-7C7E6783DFBD}" type="datetime1">
               <a:rPr lang="en-US" smtClean="0"/>
-              <a:t>20-Jan-22</a:t>
+              <a:t>2/6/23</a:t>
             </a:fld>
             <a:endParaRPr lang="en-US"/>
           </a:p>
@@ -3802,7 +3802,7 @@
           <a:p>
             <a:fld id="{4AA39791-2184-4B0A-93AF-BA62E49B5D59}" type="datetime1">
               <a:rPr lang="en-US" smtClean="0"/>
-              <a:t>20-Jan-22</a:t>
+              <a:t>2/6/23</a:t>
             </a:fld>
             <a:endParaRPr lang="en-US"/>
           </a:p>
@@ -13211,7 +13211,12 @@
             <p:ph idx="1"/>
           </p:nvPr>
         </p:nvSpPr>
-        <p:spPr/>
+        <p:spPr>
+          <a:xfrm>
+            <a:off x="1097280" y="1619179"/>
+            <a:ext cx="10058400" cy="4249915"/>
+          </a:xfrm>
+        </p:spPr>
         <p:txBody>
           <a:bodyPr/>
           <a:lstStyle/>
@@ -14631,8 +14636,8 @@
         </p:blipFill>
         <p:spPr>
           <a:xfrm>
-            <a:off x="452126" y="2266956"/>
-            <a:ext cx="11313877" cy="3288270"/>
+            <a:off x="1097280" y="2277589"/>
+            <a:ext cx="10188645" cy="2961232"/>
           </a:xfrm>
           <a:prstGeom prst="rect">
             <a:avLst/>
@@ -14699,7 +14704,7 @@
           <a:lstStyle/>
           <a:p>
             <a:r>
-              <a:rPr lang="en-US">
+              <a:rPr lang="en-US" dirty="0">
                 <a:solidFill>
                   <a:schemeClr val="tx1">
                     <a:lumMod val="85000"/>
@@ -14707,8 +14712,93 @@
                   </a:schemeClr>
                 </a:solidFill>
               </a:rPr>
-              <a:t>1. Xử lý dữ liệu</a:t>
-            </a:r>
+              <a:t>1. </a:t>
+            </a:r>
+            <a:r>
+              <a:rPr lang="en-US" dirty="0" err="1">
+                <a:solidFill>
+                  <a:schemeClr val="tx1">
+                    <a:lumMod val="85000"/>
+                    <a:lumOff val="15000"/>
+                  </a:schemeClr>
+                </a:solidFill>
+              </a:rPr>
+              <a:t>Xử</a:t>
+            </a:r>
+            <a:r>
+              <a:rPr lang="en-US" dirty="0">
+                <a:solidFill>
+                  <a:schemeClr val="tx1">
+                    <a:lumMod val="85000"/>
+                    <a:lumOff val="15000"/>
+                  </a:schemeClr>
+                </a:solidFill>
+              </a:rPr>
+              <a:t> </a:t>
+            </a:r>
+            <a:r>
+              <a:rPr lang="en-US" dirty="0" err="1">
+                <a:solidFill>
+                  <a:schemeClr val="tx1">
+                    <a:lumMod val="85000"/>
+                    <a:lumOff val="15000"/>
+                  </a:schemeClr>
+                </a:solidFill>
+              </a:rPr>
+              <a:t>lý</a:t>
+            </a:r>
+            <a:r>
+              <a:rPr lang="en-US" dirty="0">
+                <a:solidFill>
+                  <a:schemeClr val="tx1">
+                    <a:lumMod val="85000"/>
+                    <a:lumOff val="15000"/>
+                  </a:schemeClr>
+                </a:solidFill>
+              </a:rPr>
+              <a:t> </a:t>
+            </a:r>
+            <a:r>
+              <a:rPr lang="en-US" dirty="0" err="1">
+                <a:solidFill>
+                  <a:schemeClr val="tx1">
+                    <a:lumMod val="85000"/>
+                    <a:lumOff val="15000"/>
+                  </a:schemeClr>
+                </a:solidFill>
+              </a:rPr>
+              <a:t>dữ</a:t>
+            </a:r>
+            <a:r>
+              <a:rPr lang="en-US" dirty="0">
+                <a:solidFill>
+                  <a:schemeClr val="tx1">
+                    <a:lumMod val="85000"/>
+                    <a:lumOff val="15000"/>
+                  </a:schemeClr>
+                </a:solidFill>
+              </a:rPr>
+              <a:t> </a:t>
+            </a:r>
+            <a:r>
+              <a:rPr lang="en-US" dirty="0" err="1">
+                <a:solidFill>
+                  <a:schemeClr val="tx1">
+                    <a:lumMod val="85000"/>
+                    <a:lumOff val="15000"/>
+                  </a:schemeClr>
+                </a:solidFill>
+              </a:rPr>
+              <a:t>liệu</a:t>
+            </a:r>
+            <a:endParaRPr lang="en-US" dirty="0">
+              <a:solidFill>
+                <a:schemeClr val="tx1">
+                  <a:lumMod val="85000"/>
+                  <a:lumOff val="15000"/>
+                </a:schemeClr>
+              </a:solidFill>
+            </a:endParaRPr>
           </a:p>
         </p:txBody>
       </p:sp>
@@ -14739,7 +14829,7 @@
               <a:buChar char="q"/>
             </a:pPr>
             <a:r>
-              <a:rPr lang="en-US">
+              <a:rPr lang="en-US" dirty="0">
                 <a:solidFill>
                   <a:srgbClr val="FF0000"/>
                 </a:solidFill>
@@ -14747,7 +14837,7 @@
               <a:t> </a:t>
             </a:r>
             <a:r>
-              <a:rPr lang="en-US">
+              <a:rPr lang="en-US" dirty="0">
                 <a:solidFill>
                   <a:schemeClr val="tx1">
                     <a:lumMod val="85000"/>
@@ -14755,10 +14845,54 @@
                   </a:schemeClr>
                 </a:solidFill>
               </a:rPr>
-              <a:t>Encode dữ liệu: line </a:t>
-            </a:r>
-            <a:r>
-              <a:rPr lang="en-US">
+              <a:t>Encode </a:t>
+            </a:r>
+            <a:r>
+              <a:rPr lang="en-US" dirty="0" err="1">
+                <a:solidFill>
+                  <a:schemeClr val="tx1">
+                    <a:lumMod val="85000"/>
+                    <a:lumOff val="15000"/>
+                  </a:schemeClr>
+                </a:solidFill>
+              </a:rPr>
+              <a:t>dữ</a:t>
+            </a:r>
+            <a:r>
+              <a:rPr lang="en-US" dirty="0">
+                <a:solidFill>
+                  <a:schemeClr val="tx1">
+                    <a:lumMod val="85000"/>
+                    <a:lumOff val="15000"/>
+                  </a:schemeClr>
+                </a:solidFill>
+              </a:rPr>
+              <a:t> </a:t>
+            </a:r>
+            <a:r>
+              <a:rPr lang="en-US" dirty="0" err="1">
+                <a:solidFill>
+                  <a:schemeClr val="tx1">
+                    <a:lumMod val="85000"/>
+                    <a:lumOff val="15000"/>
+                  </a:schemeClr>
+                </a:solidFill>
+              </a:rPr>
+              <a:t>liệu</a:t>
+            </a:r>
+            <a:r>
+              <a:rPr lang="en-US" dirty="0">
+                <a:solidFill>
+                  <a:schemeClr val="tx1">
+                    <a:lumMod val="85000"/>
+                    <a:lumOff val="15000"/>
+                  </a:schemeClr>
+                </a:solidFill>
+              </a:rPr>
+              <a:t>: line </a:t>
+            </a:r>
+            <a:r>
+              <a:rPr lang="en-US" dirty="0">
                 <a:solidFill>
                   <a:srgbClr val="FF0000"/>
                 </a:solidFill>
@@ -14771,7 +14905,7 @@
               <a:buNone/>
             </a:pPr>
             <a:r>
-              <a:rPr lang="en-US">
+              <a:rPr lang="en-US" dirty="0">
                 <a:solidFill>
                   <a:srgbClr val="FF0000"/>
                 </a:solidFill>
@@ -14781,7 +14915,7 @@
               <a:t>	</a:t>
             </a:r>
             <a:r>
-              <a:rPr lang="en-US">
+              <a:rPr lang="en-US" dirty="0">
                 <a:solidFill>
                   <a:schemeClr val="tx1">
                     <a:lumMod val="85000"/>
@@ -14791,14 +14925,152 @@
                 <a:latin typeface="Calibri" panose="020F0502020204030204" pitchFamily="34" charset="0"/>
                 <a:cs typeface="Calibri" panose="020F0502020204030204" pitchFamily="34" charset="0"/>
               </a:rPr>
-              <a:t>&gt; Lấy thông tin từ các văn bản</a:t>
-            </a:r>
-          </a:p>
-          <a:p>
-            <a:pPr marL="0" indent="0">
-              <a:buNone/>
-            </a:pPr>
-            <a:endParaRPr lang="en-US">
+              <a:t>&gt; </a:t>
+            </a:r>
+            <a:r>
+              <a:rPr lang="en-US" dirty="0" err="1">
+                <a:solidFill>
+                  <a:schemeClr val="tx1">
+                    <a:lumMod val="85000"/>
+                    <a:lumOff val="15000"/>
+                  </a:schemeClr>
+                </a:solidFill>
+                <a:latin typeface="Calibri" panose="020F0502020204030204" pitchFamily="34" charset="0"/>
+                <a:cs typeface="Calibri" panose="020F0502020204030204" pitchFamily="34" charset="0"/>
+              </a:rPr>
+              <a:t>Lấy</a:t>
+            </a:r>
+            <a:r>
+              <a:rPr lang="en-US" dirty="0">
+                <a:solidFill>
+                  <a:schemeClr val="tx1">
+                    <a:lumMod val="85000"/>
+                    <a:lumOff val="15000"/>
+                  </a:schemeClr>
+                </a:solidFill>
+                <a:latin typeface="Calibri" panose="020F0502020204030204" pitchFamily="34" charset="0"/>
+                <a:cs typeface="Calibri" panose="020F0502020204030204" pitchFamily="34" charset="0"/>
+              </a:rPr>
+              <a:t> </a:t>
+            </a:r>
+            <a:r>
+              <a:rPr lang="en-US" dirty="0" err="1">
+                <a:solidFill>
+                  <a:schemeClr val="tx1">
+                    <a:lumMod val="85000"/>
+                    <a:lumOff val="15000"/>
+                  </a:schemeClr>
+                </a:solidFill>
+                <a:latin typeface="Calibri" panose="020F0502020204030204" pitchFamily="34" charset="0"/>
+                <a:cs typeface="Calibri" panose="020F0502020204030204" pitchFamily="34" charset="0"/>
+              </a:rPr>
+              <a:t>thông</a:t>
+            </a:r>
+            <a:r>
+              <a:rPr lang="en-US" dirty="0">
+                <a:solidFill>
+                  <a:schemeClr val="tx1">
+                    <a:lumMod val="85000"/>
+                    <a:lumOff val="15000"/>
+                  </a:schemeClr>
+                </a:solidFill>
+                <a:latin typeface="Calibri" panose="020F0502020204030204" pitchFamily="34" charset="0"/>
+                <a:cs typeface="Calibri" panose="020F0502020204030204" pitchFamily="34" charset="0"/>
+              </a:rPr>
+              <a:t> tin </a:t>
+            </a:r>
+            <a:r>
+              <a:rPr lang="en-US" dirty="0" err="1">
+                <a:solidFill>
+                  <a:schemeClr val="tx1">
+                    <a:lumMod val="85000"/>
+                    <a:lumOff val="15000"/>
+                  </a:schemeClr>
+                </a:solidFill>
+                <a:latin typeface="Calibri" panose="020F0502020204030204" pitchFamily="34" charset="0"/>
+                <a:cs typeface="Calibri" panose="020F0502020204030204" pitchFamily="34" charset="0"/>
+              </a:rPr>
+              <a:t>từ</a:t>
+            </a:r>
+            <a:r>
+              <a:rPr lang="en-US" dirty="0">
+                <a:solidFill>
+                  <a:schemeClr val="tx1">
+                    <a:lumMod val="85000"/>
+                    <a:lumOff val="15000"/>
+                  </a:schemeClr>
+                </a:solidFill>
+                <a:latin typeface="Calibri" panose="020F0502020204030204" pitchFamily="34" charset="0"/>
+                <a:cs typeface="Calibri" panose="020F0502020204030204" pitchFamily="34" charset="0"/>
+              </a:rPr>
+              <a:t> </a:t>
+            </a:r>
+            <a:r>
+              <a:rPr lang="en-US" dirty="0" err="1">
+                <a:solidFill>
+                  <a:schemeClr val="tx1">
+                    <a:lumMod val="85000"/>
+                    <a:lumOff val="15000"/>
+                  </a:schemeClr>
+                </a:solidFill>
+                <a:latin typeface="Calibri" panose="020F0502020204030204" pitchFamily="34" charset="0"/>
+                <a:cs typeface="Calibri" panose="020F0502020204030204" pitchFamily="34" charset="0"/>
+              </a:rPr>
+              <a:t>các</a:t>
+            </a:r>
+            <a:r>
+              <a:rPr lang="en-US" dirty="0">
+                <a:solidFill>
+                  <a:schemeClr val="tx1">
+                    <a:lumMod val="85000"/>
+                    <a:lumOff val="15000"/>
+                  </a:schemeClr>
+                </a:solidFill>
+                <a:latin typeface="Calibri" panose="020F0502020204030204" pitchFamily="34" charset="0"/>
+                <a:cs typeface="Calibri" panose="020F0502020204030204" pitchFamily="34" charset="0"/>
+              </a:rPr>
+              <a:t> </a:t>
+            </a:r>
+            <a:r>
+              <a:rPr lang="en-US" dirty="0" err="1">
+                <a:solidFill>
+                  <a:schemeClr val="tx1">
+                    <a:lumMod val="85000"/>
+                    <a:lumOff val="15000"/>
+                  </a:schemeClr>
+                </a:solidFill>
+                <a:latin typeface="Calibri" panose="020F0502020204030204" pitchFamily="34" charset="0"/>
+                <a:cs typeface="Calibri" panose="020F0502020204030204" pitchFamily="34" charset="0"/>
+              </a:rPr>
+              <a:t>văn</a:t>
+            </a:r>
+            <a:r>
+              <a:rPr lang="en-US" dirty="0">
+                <a:solidFill>
+                  <a:schemeClr val="tx1">
+                    <a:lumMod val="85000"/>
+                    <a:lumOff val="15000"/>
+                  </a:schemeClr>
+                </a:solidFill>
+                <a:latin typeface="Calibri" panose="020F0502020204030204" pitchFamily="34" charset="0"/>
+                <a:cs typeface="Calibri" panose="020F0502020204030204" pitchFamily="34" charset="0"/>
+              </a:rPr>
+              <a:t> </a:t>
+            </a:r>
+            <a:r>
+              <a:rPr lang="en-US" dirty="0" err="1">
+                <a:solidFill>
+                  <a:schemeClr val="tx1">
+                    <a:lumMod val="85000"/>
+                    <a:lumOff val="15000"/>
+                  </a:schemeClr>
+                </a:solidFill>
+                <a:latin typeface="Calibri" panose="020F0502020204030204" pitchFamily="34" charset="0"/>
+                <a:cs typeface="Calibri" panose="020F0502020204030204" pitchFamily="34" charset="0"/>
+              </a:rPr>
+              <a:t>bản</a:t>
+            </a:r>
+            <a:endParaRPr lang="en-US" dirty="0">
               <a:solidFill>
                 <a:schemeClr val="tx1">
                   <a:lumMod val="85000"/>
@@ -14813,7 +15085,7 @@
             <a:pPr marL="0" indent="0">
               <a:buNone/>
             </a:pPr>
-            <a:endParaRPr lang="en-US">
+            <a:endParaRPr lang="en-US" dirty="0">
               <a:solidFill>
                 <a:schemeClr val="tx1">
                   <a:lumMod val="85000"/>
@@ -14828,7 +15100,7 @@
             <a:pPr marL="0" indent="0">
               <a:buNone/>
             </a:pPr>
-            <a:endParaRPr lang="en-US">
+            <a:endParaRPr lang="en-US" dirty="0">
               <a:solidFill>
                 <a:schemeClr val="tx1">
                   <a:lumMod val="85000"/>
@@ -14843,26 +15115,23 @@
             <a:pPr marL="0" indent="0">
               <a:buNone/>
             </a:pPr>
-            <a:r>
-              <a:rPr lang="en-US">
-                <a:solidFill>
-                  <a:schemeClr val="tx1">
-                    <a:lumMod val="85000"/>
-                    <a:lumOff val="15000"/>
-                  </a:schemeClr>
-                </a:solidFill>
-                <a:latin typeface="Calibri" panose="020F0502020204030204" pitchFamily="34" charset="0"/>
-                <a:cs typeface="Calibri" panose="020F0502020204030204" pitchFamily="34" charset="0"/>
-              </a:rPr>
-              <a:t>	&gt; ví dụ chọn MAX_SENTENCE_LENGTH = 500</a:t>
-            </a:r>
+            <a:endParaRPr lang="en-US" dirty="0">
+              <a:solidFill>
+                <a:schemeClr val="tx1">
+                  <a:lumMod val="85000"/>
+                  <a:lumOff val="15000"/>
+                </a:schemeClr>
+              </a:solidFill>
+              <a:latin typeface="Calibri" panose="020F0502020204030204" pitchFamily="34" charset="0"/>
+              <a:cs typeface="Calibri" panose="020F0502020204030204" pitchFamily="34" charset="0"/>
+            </a:endParaRPr>
           </a:p>
           <a:p>
             <a:pPr marL="0" indent="0">
               <a:buNone/>
             </a:pPr>
             <a:r>
-              <a:rPr lang="en-US">
+              <a:rPr lang="en-US" dirty="0">
                 <a:solidFill>
                   <a:schemeClr val="tx1">
                     <a:lumMod val="85000"/>
@@ -14872,7 +15141,85 @@
                 <a:latin typeface="Calibri" panose="020F0502020204030204" pitchFamily="34" charset="0"/>
                 <a:cs typeface="Calibri" panose="020F0502020204030204" pitchFamily="34" charset="0"/>
               </a:rPr>
-              <a:t>	&gt; Lưu ý: không lowercase, không loại bỏ stopwords, … như khi</a:t>
+              <a:t>	&gt; </a:t>
+            </a:r>
+            <a:r>
+              <a:rPr lang="en-US" dirty="0" err="1">
+                <a:solidFill>
+                  <a:schemeClr val="tx1">
+                    <a:lumMod val="85000"/>
+                    <a:lumOff val="15000"/>
+                  </a:schemeClr>
+                </a:solidFill>
+                <a:latin typeface="Calibri" panose="020F0502020204030204" pitchFamily="34" charset="0"/>
+                <a:cs typeface="Calibri" panose="020F0502020204030204" pitchFamily="34" charset="0"/>
+              </a:rPr>
+              <a:t>ví</a:t>
+            </a:r>
+            <a:r>
+              <a:rPr lang="en-US" dirty="0">
+                <a:solidFill>
+                  <a:schemeClr val="tx1">
+                    <a:lumMod val="85000"/>
+                    <a:lumOff val="15000"/>
+                  </a:schemeClr>
+                </a:solidFill>
+                <a:latin typeface="Calibri" panose="020F0502020204030204" pitchFamily="34" charset="0"/>
+                <a:cs typeface="Calibri" panose="020F0502020204030204" pitchFamily="34" charset="0"/>
+              </a:rPr>
+              <a:t> </a:t>
+            </a:r>
+            <a:r>
+              <a:rPr lang="en-US" dirty="0" err="1">
+                <a:solidFill>
+                  <a:schemeClr val="tx1">
+                    <a:lumMod val="85000"/>
+                    <a:lumOff val="15000"/>
+                  </a:schemeClr>
+                </a:solidFill>
+                <a:latin typeface="Calibri" panose="020F0502020204030204" pitchFamily="34" charset="0"/>
+                <a:cs typeface="Calibri" panose="020F0502020204030204" pitchFamily="34" charset="0"/>
+              </a:rPr>
+              <a:t>dụ</a:t>
+            </a:r>
+            <a:r>
+              <a:rPr lang="en-US" dirty="0">
+                <a:solidFill>
+                  <a:schemeClr val="tx1">
+                    <a:lumMod val="85000"/>
+                    <a:lumOff val="15000"/>
+                  </a:schemeClr>
+                </a:solidFill>
+                <a:latin typeface="Calibri" panose="020F0502020204030204" pitchFamily="34" charset="0"/>
+                <a:cs typeface="Calibri" panose="020F0502020204030204" pitchFamily="34" charset="0"/>
+              </a:rPr>
+              <a:t> </a:t>
+            </a:r>
+            <a:r>
+              <a:rPr lang="en-US" dirty="0" err="1">
+                <a:solidFill>
+                  <a:schemeClr val="tx1">
+                    <a:lumMod val="85000"/>
+                    <a:lumOff val="15000"/>
+                  </a:schemeClr>
+                </a:solidFill>
+                <a:latin typeface="Calibri" panose="020F0502020204030204" pitchFamily="34" charset="0"/>
+                <a:cs typeface="Calibri" panose="020F0502020204030204" pitchFamily="34" charset="0"/>
+              </a:rPr>
+              <a:t>chọn</a:t>
+            </a:r>
+            <a:r>
+              <a:rPr lang="en-US" dirty="0">
+                <a:solidFill>
+                  <a:schemeClr val="tx1">
+                    <a:lumMod val="85000"/>
+                    <a:lumOff val="15000"/>
+                  </a:schemeClr>
+                </a:solidFill>
+                <a:latin typeface="Calibri" panose="020F0502020204030204" pitchFamily="34" charset="0"/>
+                <a:cs typeface="Calibri" panose="020F0502020204030204" pitchFamily="34" charset="0"/>
+              </a:rPr>
+              <a:t> MAX_SENTENCE_LENGTH = 500</a:t>
             </a:r>
           </a:p>
           <a:p>
@@ -14880,7 +15227,7 @@
               <a:buNone/>
             </a:pPr>
             <a:r>
-              <a:rPr lang="en-US">
+              <a:rPr lang="en-US" dirty="0">
                 <a:solidFill>
                   <a:schemeClr val="tx1">
                     <a:lumMod val="85000"/>
@@ -14890,8 +15237,306 @@
                 <a:latin typeface="Calibri" panose="020F0502020204030204" pitchFamily="34" charset="0"/>
                 <a:cs typeface="Calibri" panose="020F0502020204030204" pitchFamily="34" charset="0"/>
               </a:rPr>
-              <a:t>	tính tf-idf</a:t>
-            </a:r>
+              <a:t>	&gt; </a:t>
+            </a:r>
+            <a:r>
+              <a:rPr lang="en-US" dirty="0" err="1">
+                <a:solidFill>
+                  <a:schemeClr val="tx1">
+                    <a:lumMod val="85000"/>
+                    <a:lumOff val="15000"/>
+                  </a:schemeClr>
+                </a:solidFill>
+                <a:latin typeface="Calibri" panose="020F0502020204030204" pitchFamily="34" charset="0"/>
+                <a:cs typeface="Calibri" panose="020F0502020204030204" pitchFamily="34" charset="0"/>
+              </a:rPr>
+              <a:t>Lưu</a:t>
+            </a:r>
+            <a:r>
+              <a:rPr lang="en-US" dirty="0">
+                <a:solidFill>
+                  <a:schemeClr val="tx1">
+                    <a:lumMod val="85000"/>
+                    <a:lumOff val="15000"/>
+                  </a:schemeClr>
+                </a:solidFill>
+                <a:latin typeface="Calibri" panose="020F0502020204030204" pitchFamily="34" charset="0"/>
+                <a:cs typeface="Calibri" panose="020F0502020204030204" pitchFamily="34" charset="0"/>
+              </a:rPr>
+              <a:t> </a:t>
+            </a:r>
+            <a:r>
+              <a:rPr lang="en-US" dirty="0" err="1">
+                <a:solidFill>
+                  <a:schemeClr val="tx1">
+                    <a:lumMod val="85000"/>
+                    <a:lumOff val="15000"/>
+                  </a:schemeClr>
+                </a:solidFill>
+                <a:latin typeface="Calibri" panose="020F0502020204030204" pitchFamily="34" charset="0"/>
+                <a:cs typeface="Calibri" panose="020F0502020204030204" pitchFamily="34" charset="0"/>
+              </a:rPr>
+              <a:t>ý</a:t>
+            </a:r>
+            <a:r>
+              <a:rPr lang="en-US" dirty="0">
+                <a:solidFill>
+                  <a:schemeClr val="tx1">
+                    <a:lumMod val="85000"/>
+                    <a:lumOff val="15000"/>
+                  </a:schemeClr>
+                </a:solidFill>
+                <a:latin typeface="Calibri" panose="020F0502020204030204" pitchFamily="34" charset="0"/>
+                <a:cs typeface="Calibri" panose="020F0502020204030204" pitchFamily="34" charset="0"/>
+              </a:rPr>
+              <a:t>: </a:t>
+            </a:r>
+            <a:r>
+              <a:rPr lang="en-US" dirty="0" err="1">
+                <a:solidFill>
+                  <a:schemeClr val="tx1">
+                    <a:lumMod val="85000"/>
+                    <a:lumOff val="15000"/>
+                  </a:schemeClr>
+                </a:solidFill>
+                <a:latin typeface="Calibri" panose="020F0502020204030204" pitchFamily="34" charset="0"/>
+                <a:cs typeface="Calibri" panose="020F0502020204030204" pitchFamily="34" charset="0"/>
+              </a:rPr>
+              <a:t>không</a:t>
+            </a:r>
+            <a:r>
+              <a:rPr lang="en-US" dirty="0">
+                <a:solidFill>
+                  <a:schemeClr val="tx1">
+                    <a:lumMod val="85000"/>
+                    <a:lumOff val="15000"/>
+                  </a:schemeClr>
+                </a:solidFill>
+                <a:latin typeface="Calibri" panose="020F0502020204030204" pitchFamily="34" charset="0"/>
+                <a:cs typeface="Calibri" panose="020F0502020204030204" pitchFamily="34" charset="0"/>
+              </a:rPr>
+              <a:t> lowercase, </a:t>
+            </a:r>
+            <a:r>
+              <a:rPr lang="en-US" dirty="0" err="1">
+                <a:solidFill>
+                  <a:schemeClr val="tx1">
+                    <a:lumMod val="85000"/>
+                    <a:lumOff val="15000"/>
+                  </a:schemeClr>
+                </a:solidFill>
+                <a:latin typeface="Calibri" panose="020F0502020204030204" pitchFamily="34" charset="0"/>
+                <a:cs typeface="Calibri" panose="020F0502020204030204" pitchFamily="34" charset="0"/>
+              </a:rPr>
+              <a:t>không</a:t>
+            </a:r>
+            <a:r>
+              <a:rPr lang="en-US" dirty="0">
+                <a:solidFill>
+                  <a:schemeClr val="tx1">
+                    <a:lumMod val="85000"/>
+                    <a:lumOff val="15000"/>
+                  </a:schemeClr>
+                </a:solidFill>
+                <a:latin typeface="Calibri" panose="020F0502020204030204" pitchFamily="34" charset="0"/>
+                <a:cs typeface="Calibri" panose="020F0502020204030204" pitchFamily="34" charset="0"/>
+              </a:rPr>
+              <a:t> </a:t>
+            </a:r>
+            <a:r>
+              <a:rPr lang="en-US" dirty="0" err="1">
+                <a:solidFill>
+                  <a:schemeClr val="tx1">
+                    <a:lumMod val="85000"/>
+                    <a:lumOff val="15000"/>
+                  </a:schemeClr>
+                </a:solidFill>
+                <a:latin typeface="Calibri" panose="020F0502020204030204" pitchFamily="34" charset="0"/>
+                <a:cs typeface="Calibri" panose="020F0502020204030204" pitchFamily="34" charset="0"/>
+              </a:rPr>
+              <a:t>loại</a:t>
+            </a:r>
+            <a:r>
+              <a:rPr lang="en-US" dirty="0">
+                <a:solidFill>
+                  <a:schemeClr val="tx1">
+                    <a:lumMod val="85000"/>
+                    <a:lumOff val="15000"/>
+                  </a:schemeClr>
+                </a:solidFill>
+                <a:latin typeface="Calibri" panose="020F0502020204030204" pitchFamily="34" charset="0"/>
+                <a:cs typeface="Calibri" panose="020F0502020204030204" pitchFamily="34" charset="0"/>
+              </a:rPr>
+              <a:t> </a:t>
+            </a:r>
+            <a:r>
+              <a:rPr lang="en-US" dirty="0" err="1">
+                <a:solidFill>
+                  <a:schemeClr val="tx1">
+                    <a:lumMod val="85000"/>
+                    <a:lumOff val="15000"/>
+                  </a:schemeClr>
+                </a:solidFill>
+                <a:latin typeface="Calibri" panose="020F0502020204030204" pitchFamily="34" charset="0"/>
+                <a:cs typeface="Calibri" panose="020F0502020204030204" pitchFamily="34" charset="0"/>
+              </a:rPr>
+              <a:t>bỏ</a:t>
+            </a:r>
+            <a:r>
+              <a:rPr lang="en-US" dirty="0">
+                <a:solidFill>
+                  <a:schemeClr val="tx1">
+                    <a:lumMod val="85000"/>
+                    <a:lumOff val="15000"/>
+                  </a:schemeClr>
+                </a:solidFill>
+                <a:latin typeface="Calibri" panose="020F0502020204030204" pitchFamily="34" charset="0"/>
+                <a:cs typeface="Calibri" panose="020F0502020204030204" pitchFamily="34" charset="0"/>
+              </a:rPr>
+              <a:t> </a:t>
+            </a:r>
+            <a:r>
+              <a:rPr lang="en-US" dirty="0" err="1">
+                <a:solidFill>
+                  <a:schemeClr val="tx1">
+                    <a:lumMod val="85000"/>
+                    <a:lumOff val="15000"/>
+                  </a:schemeClr>
+                </a:solidFill>
+                <a:latin typeface="Calibri" panose="020F0502020204030204" pitchFamily="34" charset="0"/>
+                <a:cs typeface="Calibri" panose="020F0502020204030204" pitchFamily="34" charset="0"/>
+              </a:rPr>
+              <a:t>stopwords</a:t>
+            </a:r>
+            <a:r>
+              <a:rPr lang="en-US" dirty="0">
+                <a:solidFill>
+                  <a:schemeClr val="tx1">
+                    <a:lumMod val="85000"/>
+                    <a:lumOff val="15000"/>
+                  </a:schemeClr>
+                </a:solidFill>
+                <a:latin typeface="Calibri" panose="020F0502020204030204" pitchFamily="34" charset="0"/>
+                <a:cs typeface="Calibri" panose="020F0502020204030204" pitchFamily="34" charset="0"/>
+              </a:rPr>
+              <a:t>, … </a:t>
+            </a:r>
+            <a:r>
+              <a:rPr lang="en-US" dirty="0" err="1">
+                <a:solidFill>
+                  <a:schemeClr val="tx1">
+                    <a:lumMod val="85000"/>
+                    <a:lumOff val="15000"/>
+                  </a:schemeClr>
+                </a:solidFill>
+                <a:latin typeface="Calibri" panose="020F0502020204030204" pitchFamily="34" charset="0"/>
+                <a:cs typeface="Calibri" panose="020F0502020204030204" pitchFamily="34" charset="0"/>
+              </a:rPr>
+              <a:t>như</a:t>
+            </a:r>
+            <a:r>
+              <a:rPr lang="en-US" dirty="0">
+                <a:solidFill>
+                  <a:schemeClr val="tx1">
+                    <a:lumMod val="85000"/>
+                    <a:lumOff val="15000"/>
+                  </a:schemeClr>
+                </a:solidFill>
+                <a:latin typeface="Calibri" panose="020F0502020204030204" pitchFamily="34" charset="0"/>
+                <a:cs typeface="Calibri" panose="020F0502020204030204" pitchFamily="34" charset="0"/>
+              </a:rPr>
+              <a:t> </a:t>
+            </a:r>
+            <a:r>
+              <a:rPr lang="en-US" dirty="0" err="1">
+                <a:solidFill>
+                  <a:schemeClr val="tx1">
+                    <a:lumMod val="85000"/>
+                    <a:lumOff val="15000"/>
+                  </a:schemeClr>
+                </a:solidFill>
+                <a:latin typeface="Calibri" panose="020F0502020204030204" pitchFamily="34" charset="0"/>
+                <a:cs typeface="Calibri" panose="020F0502020204030204" pitchFamily="34" charset="0"/>
+              </a:rPr>
+              <a:t>khi</a:t>
+            </a:r>
+            <a:endParaRPr lang="en-US" dirty="0">
+              <a:solidFill>
+                <a:schemeClr val="tx1">
+                  <a:lumMod val="85000"/>
+                  <a:lumOff val="15000"/>
+                </a:schemeClr>
+              </a:solidFill>
+              <a:latin typeface="Calibri" panose="020F0502020204030204" pitchFamily="34" charset="0"/>
+              <a:cs typeface="Calibri" panose="020F0502020204030204" pitchFamily="34" charset="0"/>
+            </a:endParaRPr>
+          </a:p>
+          <a:p>
+            <a:pPr marL="0" indent="0">
+              <a:buNone/>
+            </a:pPr>
+            <a:r>
+              <a:rPr lang="en-US" dirty="0">
+                <a:solidFill>
+                  <a:schemeClr val="tx1">
+                    <a:lumMod val="85000"/>
+                    <a:lumOff val="15000"/>
+                  </a:schemeClr>
+                </a:solidFill>
+                <a:latin typeface="Calibri" panose="020F0502020204030204" pitchFamily="34" charset="0"/>
+                <a:cs typeface="Calibri" panose="020F0502020204030204" pitchFamily="34" charset="0"/>
+              </a:rPr>
+              <a:t>	</a:t>
+            </a:r>
+            <a:r>
+              <a:rPr lang="en-US" dirty="0" err="1">
+                <a:solidFill>
+                  <a:schemeClr val="tx1">
+                    <a:lumMod val="85000"/>
+                    <a:lumOff val="15000"/>
+                  </a:schemeClr>
+                </a:solidFill>
+                <a:latin typeface="Calibri" panose="020F0502020204030204" pitchFamily="34" charset="0"/>
+                <a:cs typeface="Calibri" panose="020F0502020204030204" pitchFamily="34" charset="0"/>
+              </a:rPr>
+              <a:t>tính</a:t>
+            </a:r>
+            <a:r>
+              <a:rPr lang="en-US" dirty="0">
+                <a:solidFill>
+                  <a:schemeClr val="tx1">
+                    <a:lumMod val="85000"/>
+                    <a:lumOff val="15000"/>
+                  </a:schemeClr>
+                </a:solidFill>
+                <a:latin typeface="Calibri" panose="020F0502020204030204" pitchFamily="34" charset="0"/>
+                <a:cs typeface="Calibri" panose="020F0502020204030204" pitchFamily="34" charset="0"/>
+              </a:rPr>
+              <a:t> </a:t>
+            </a:r>
+            <a:r>
+              <a:rPr lang="en-US" dirty="0" err="1">
+                <a:solidFill>
+                  <a:schemeClr val="tx1">
+                    <a:lumMod val="85000"/>
+                    <a:lumOff val="15000"/>
+                  </a:schemeClr>
+                </a:solidFill>
+                <a:latin typeface="Calibri" panose="020F0502020204030204" pitchFamily="34" charset="0"/>
+                <a:cs typeface="Calibri" panose="020F0502020204030204" pitchFamily="34" charset="0"/>
+              </a:rPr>
+              <a:t>tf-idf</a:t>
+            </a:r>
+            <a:endParaRPr lang="en-US" dirty="0">
+              <a:solidFill>
+                <a:schemeClr val="tx1">
+                  <a:lumMod val="85000"/>
+                  <a:lumOff val="15000"/>
+                </a:schemeClr>
+              </a:solidFill>
+              <a:latin typeface="Calibri" panose="020F0502020204030204" pitchFamily="34" charset="0"/>
+              <a:cs typeface="Calibri" panose="020F0502020204030204" pitchFamily="34" charset="0"/>
+            </a:endParaRPr>
           </a:p>
         </p:txBody>
       </p:sp>
@@ -22156,6 +22801,12 @@
 </file>
 
 <file path=customXml/item1.xml><?xml version="1.0" encoding="utf-8"?>
+<p:properties xmlns:p="http://schemas.microsoft.com/office/2006/metadata/properties" xmlns:xsi="http://www.w3.org/2001/XMLSchema-instance" xmlns:pc="http://schemas.microsoft.com/office/infopath/2007/PartnerControls">
+  <documentManagement/>
+</p:properties>
+</file>
+
+<file path=customXml/item2.xml><?xml version="1.0" encoding="utf-8"?>
 <ct:contentTypeSchema xmlns:ct="http://schemas.microsoft.com/office/2006/metadata/contentType" xmlns:ma="http://schemas.microsoft.com/office/2006/metadata/properties/metaAttributes" ct:_="" ma:_="" ma:contentTypeName="Document" ma:contentTypeID="0x01010068F118E21B99204C91D146C561430925" ma:contentTypeVersion="4" ma:contentTypeDescription="Create a new document." ma:contentTypeScope="" ma:versionID="55b6a0e5318d4e37682ee6a89c351aad">
   <xsd:schema xmlns:xsd="http://www.w3.org/2001/XMLSchema" xmlns:xs="http://www.w3.org/2001/XMLSchema" xmlns:p="http://schemas.microsoft.com/office/2006/metadata/properties" xmlns:ns2="9e24faa2-8f4a-48de-ad6a-0e527f10a801" targetNamespace="http://schemas.microsoft.com/office/2006/metadata/properties" ma:root="true" ma:fieldsID="a8a6bde89e908da18980281cf9736dca" ns2:_="">
     <xsd:import namespace="9e24faa2-8f4a-48de-ad6a-0e527f10a801"/>
@@ -22299,7 +22950,7 @@
 </ct:contentTypeSchema>
 </file>
 
-<file path=customXml/item2.xml><?xml version="1.0" encoding="utf-8"?>
+<file path=customXml/item3.xml><?xml version="1.0" encoding="utf-8"?>
 <?mso-contentType ?>
 <FormTemplates xmlns="http://schemas.microsoft.com/sharepoint/v3/contenttype/forms">
   <Display>DocumentLibraryForm</Display>
@@ -22308,20 +22959,37 @@
 </FormTemplates>
 </file>
 
-<file path=customXml/item3.xml><?xml version="1.0" encoding="utf-8"?>
-<p:properties xmlns:p="http://schemas.microsoft.com/office/2006/metadata/properties" xmlns:xsi="http://www.w3.org/2001/XMLSchema-instance" xmlns:pc="http://schemas.microsoft.com/office/infopath/2007/PartnerControls">
-  <documentManagement/>
-</p:properties>
-</file>
-
 <file path=customXml/itemProps1.xml><?xml version="1.0" encoding="utf-8"?>
-<ds:datastoreItem xmlns:ds="http://schemas.openxmlformats.org/officeDocument/2006/customXml" ds:itemID="{2B466799-5EB1-4236-A266-1F8CB25DFD51}"/>
+<ds:datastoreItem xmlns:ds="http://schemas.openxmlformats.org/officeDocument/2006/customXml" ds:itemID="{110B0118-B678-4D7C-BBEF-F5401600F952}">
+  <ds:schemaRefs>
+    <ds:schemaRef ds:uri="http://schemas.microsoft.com/office/2006/metadata/properties"/>
+    <ds:schemaRef ds:uri="http://schemas.microsoft.com/office/infopath/2007/PartnerControls"/>
+  </ds:schemaRefs>
+</ds:datastoreItem>
 </file>
 
 <file path=customXml/itemProps2.xml><?xml version="1.0" encoding="utf-8"?>
-<ds:datastoreItem xmlns:ds="http://schemas.openxmlformats.org/officeDocument/2006/customXml" ds:itemID="{1A3BBB8C-434C-4843-B542-A13ACFBB4367}"/>
+<ds:datastoreItem xmlns:ds="http://schemas.openxmlformats.org/officeDocument/2006/customXml" ds:itemID="{2B466799-5EB1-4236-A266-1F8CB25DFD51}">
+  <ds:schemaRefs>
+    <ds:schemaRef ds:uri="http://schemas.microsoft.com/office/2006/metadata/contentType"/>
+    <ds:schemaRef ds:uri="http://schemas.microsoft.com/office/2006/metadata/properties/metaAttributes"/>
+    <ds:schemaRef ds:uri="http://www.w3.org/2001/XMLSchema"/>
+    <ds:schemaRef ds:uri="http://schemas.microsoft.com/office/2006/metadata/properties"/>
+    <ds:schemaRef ds:uri="9e24faa2-8f4a-48de-ad6a-0e527f10a801"/>
+    <ds:schemaRef ds:uri="http://schemas.microsoft.com/office/2006/documentManagement/types"/>
+    <ds:schemaRef ds:uri="http://schemas.microsoft.com/office/infopath/2007/PartnerControls"/>
+    <ds:schemaRef ds:uri="http://schemas.openxmlformats.org/package/2006/metadata/core-properties"/>
+    <ds:schemaRef ds:uri="http://purl.org/dc/elements/1.1/"/>
+    <ds:schemaRef ds:uri="http://purl.org/dc/terms/"/>
+    <ds:schemaRef ds:uri="http://schemas.microsoft.com/internal/obd"/>
+  </ds:schemaRefs>
+</ds:datastoreItem>
 </file>
 
 <file path=customXml/itemProps3.xml><?xml version="1.0" encoding="utf-8"?>
-<ds:datastoreItem xmlns:ds="http://schemas.openxmlformats.org/officeDocument/2006/customXml" ds:itemID="{110B0118-B678-4D7C-BBEF-F5401600F952}"/>
+<ds:datastoreItem xmlns:ds="http://schemas.openxmlformats.org/officeDocument/2006/customXml" ds:itemID="{1A3BBB8C-434C-4843-B542-A13ACFBB4367}">
+  <ds:schemaRefs>
+    <ds:schemaRef ds:uri="http://schemas.microsoft.com/sharepoint/v3/contenttype/forms"/>
+  </ds:schemaRefs>
+</ds:datastoreItem>
 </file>